--- a/empirical/index.pptx
+++ b/empirical/index.pptx
@@ -20,6 +20,7 @@
     <p:sldId id="268" r:id="rId14"/>
     <p:sldId id="269" r:id="rId15"/>
     <p:sldId id="270" r:id="rId16"/>
+    <p:sldId id="271" r:id="rId17"/>
   </p:sldIdLst>
   <p:sldSz cx="9144000" cy="6858000" type="screen4x3"/>
   <p:notesSz cx="6858000" cy="9144000"/>
@@ -3279,7 +3280,7 @@
             </a:pPr>
             <a:r>
               <a:rPr/>
-              <a:t>2020-02-24</a:t>
+              <a:t>2020-02-25</a:t>
             </a:r>
           </a:p>
         </p:txBody>
@@ -3326,47 +3327,61 @@
             </a:pPr>
             <a:r>
               <a:rPr/>
-              <a:t>Drawing</a:t>
-            </a:r>
-            <a:r>
-              <a:rPr/>
-              <a:t> </a:t>
-            </a:r>
-            <a:r>
-              <a:rPr/>
-              <a:t>The</a:t>
-            </a:r>
-            <a:r>
-              <a:rPr/>
-              <a:t> </a:t>
-            </a:r>
-            <a:r>
-              <a:rPr/>
-              <a:t>Circle</a:t>
-            </a:r>
-            <a:r>
-              <a:rPr/>
-              <a:t> </a:t>
-            </a:r>
-            <a:r>
-              <a:rPr/>
-              <a:t>Around</a:t>
-            </a:r>
-            <a:r>
-              <a:rPr/>
-              <a:t> </a:t>
-            </a:r>
-            <a:r>
-              <a:rPr/>
-              <a:t>Your</a:t>
-            </a:r>
-            <a:r>
-              <a:rPr/>
-              <a:t> </a:t>
-            </a:r>
-            <a:r>
-              <a:rPr/>
-              <a:t>Question</a:t>
+              <a:t>Imposter</a:t>
+            </a:r>
+            <a:r>
+              <a:rPr/>
+              <a:t> </a:t>
+            </a:r>
+            <a:r>
+              <a:rPr/>
+              <a:t>Syndrome</a:t>
+            </a:r>
+          </a:p>
+        </p:txBody>
+      </p:sp>
+      <p:sp>
+        <p:nvSpPr>
+          <p:cNvPr id="3" name="Content Placeholder 2"/>
+          <p:cNvSpPr>
+            <a:spLocks noGrp="1"/>
+          </p:cNvSpPr>
+          <p:nvPr>
+            <p:ph idx="1"/>
+          </p:nvPr>
+        </p:nvSpPr>
+        <p:spPr/>
+        <p:txBody>
+          <a:bodyPr/>
+          <a:lstStyle/>
+          <a:p>
+            <a:pPr lvl="0" marL="1270000" indent="0">
+              <a:buNone/>
+            </a:pPr>
+            <a:r>
+              <a:rPr sz="2000"/>
+              <a:t>“Academic life is full of learning, excitement, and discovery. However, academics also experience professional challenges at various points in their career, including repeated rejection, impostor syndrome, and burnout. These negative experiences are rarely talked about publicly, creating a sense of loneliness and isolation for people who presume they are the only ones affected by such setbacks. However, nearly everyone has these experiences at one time or another, and thus talking about them should be a normal part of academic life.” (Jaremka et al. 2019)</a:t>
+            </a:r>
+          </a:p>
+          <a:p>
+            <a:pPr lvl="1"/>
+            <a:r>
+              <a:rPr/>
+              <a:t>Surface / Acknowledge the Feeling</a:t>
+            </a:r>
+          </a:p>
+          <a:p>
+            <a:pPr lvl="1"/>
+            <a:r>
+              <a:rPr/>
+              <a:t>Acknowledge the Feeling / Welcome It!</a:t>
+            </a:r>
+          </a:p>
+          <a:p>
+            <a:pPr lvl="1"/>
+            <a:r>
+              <a:rPr/>
+              <a:t>Fake It Until You Make It</a:t>
             </a:r>
           </a:p>
         </p:txBody>
@@ -3413,6 +3428,62 @@
             </a:pPr>
             <a:r>
               <a:rPr/>
+              <a:t>Drawing</a:t>
+            </a:r>
+            <a:r>
+              <a:rPr/>
+              <a:t> </a:t>
+            </a:r>
+            <a:r>
+              <a:rPr/>
+              <a:t>The</a:t>
+            </a:r>
+            <a:r>
+              <a:rPr/>
+              <a:t> </a:t>
+            </a:r>
+            <a:r>
+              <a:rPr/>
+              <a:t>Circle</a:t>
+            </a:r>
+            <a:r>
+              <a:rPr/>
+              <a:t> </a:t>
+            </a:r>
+            <a:r>
+              <a:rPr/>
+              <a:t>Around</a:t>
+            </a:r>
+            <a:r>
+              <a:rPr/>
+              <a:t> </a:t>
+            </a:r>
+            <a:r>
+              <a:rPr/>
+              <a:t>Your</a:t>
+            </a:r>
+            <a:r>
+              <a:rPr/>
+              <a:t> </a:t>
+            </a:r>
+            <a:r>
+              <a:rPr/>
+              <a:t>Question</a:t>
+            </a:r>
+            <a:r>
+              <a:rPr/>
+              <a:t> </a:t>
+            </a:r>
+            <a:r>
+              <a:rPr/>
+              <a:t>&amp;</a:t>
+            </a:r>
+            <a:r>
+              <a:rPr/>
+              <a:t> </a:t>
+            </a:r>
+            <a:r>
+              <a:rPr/>
               <a:t>Finding</a:t>
             </a:r>
             <a:r>
@@ -3474,7 +3545,15 @@
             <a:pPr lvl="1"/>
             <a:r>
               <a:rPr/>
-              <a:t>Start your literature search by reading a good review article, e.g. a recent review piece in Annual Review of Psychology. What do they cite? What authors do they think are important? Then search in a large database like PsychInfo or ProQuest</a:t>
+              <a:t>Start your literature search by reading a good review article, e.g. a recent review piece in </a:t>
+            </a:r>
+            <a:r>
+              <a:rPr i="1"/>
+              <a:t>Annual Review of Psychology</a:t>
+            </a:r>
+            <a:r>
+              <a:rPr/>
+              <a:t>. What do they cite? What authors do they think are important? Then search in a large database like PsychInfo or ProQuest</a:t>
             </a:r>
           </a:p>
         </p:txBody>
@@ -3922,6 +4001,53 @@
             </a:pPr>
             <a:r>
               <a:rPr/>
+              <a:t>Questions?</a:t>
+            </a:r>
+          </a:p>
+        </p:txBody>
+      </p:sp>
+    </p:spTree>
+  </p:cSld>
+</p:sld>
+</file>
+
+<file path=ppt/slides/slide16.xml><?xml version="1.0" encoding="utf-8"?>
+<p:sld xmlns:a="http://schemas.openxmlformats.org/drawingml/2006/main" xmlns:r="http://schemas.openxmlformats.org/officeDocument/2006/relationships" xmlns:p="http://schemas.openxmlformats.org/presentationml/2006/main">
+  <p:cSld>
+    <p:spTree>
+      <p:nvGrpSpPr>
+        <p:cNvPr id="1" name=""/>
+        <p:cNvGrpSpPr/>
+        <p:nvPr/>
+      </p:nvGrpSpPr>
+      <p:grpSpPr>
+        <a:xfrm>
+          <a:off x="0" y="0"/>
+          <a:ext cx="0" cy="0"/>
+          <a:chOff x="0" y="0"/>
+          <a:chExt cx="0" cy="0"/>
+        </a:xfrm>
+      </p:grpSpPr>
+      <p:sp>
+        <p:nvSpPr>
+          <p:cNvPr id="2" name="Title 1"/>
+          <p:cNvSpPr>
+            <a:spLocks noGrp="1"/>
+          </p:cNvSpPr>
+          <p:nvPr>
+            <p:ph type="title"/>
+          </p:nvPr>
+        </p:nvSpPr>
+        <p:spPr/>
+        <p:txBody>
+          <a:bodyPr/>
+          <a:lstStyle/>
+          <a:p>
+            <a:pPr lvl="0" marL="0" indent="0">
+              <a:buNone/>
+            </a:pPr>
+            <a:r>
+              <a:rPr/>
               <a:t>References</a:t>
             </a:r>
           </a:p>
@@ -3941,6 +4067,25 @@
         <p:txBody>
           <a:bodyPr/>
           <a:lstStyle/>
+          <a:p>
+            <a:pPr lvl="0" marL="0" indent="0">
+              <a:buNone/>
+            </a:pPr>
+            <a:r>
+              <a:rPr/>
+              <a:t>American Psychological Association. 2019. “Resolution on Physical Discipline of Children By Parents.” </a:t>
+            </a:r>
+            <a:r>
+              <a:rPr>
+                <a:hlinkClick r:id="rId2"/>
+              </a:rPr>
+              <a:t>https://www.apa.org/about/policy/physical-discipline.pdf</a:t>
+            </a:r>
+            <a:r>
+              <a:rPr/>
+              <a:t>.</a:t>
+            </a:r>
+          </a:p>
           <a:p>
             <a:pPr lvl="0" marL="0" indent="0">
               <a:buNone/>
@@ -3969,6 +4114,33 @@
             <a:r>
               <a:rPr i="1"/>
               <a:t>When Will We ever learn ? Improving Lives through Impact evaluation. Report of the Evaluation Gap Working Group.</a:t>
+            </a:r>
+          </a:p>
+          <a:p>
+            <a:pPr lvl="0" marL="0" indent="0">
+              <a:buNone/>
+            </a:pPr>
+            <a:r>
+              <a:rPr/>
+              <a:t>Sege, Robert D, Benjamin S Siegel, Council on Child Abuse and Neglect, and Committee on Psychosocial Aspects of Child and Family Health. 2019. “Effective Discipline to Raise Healthy Children.” </a:t>
+            </a:r>
+            <a:r>
+              <a:rPr i="1"/>
+              <a:t>Pediatrics</a:t>
+            </a:r>
+            <a:r>
+              <a:rPr/>
+              <a:t> 143 (2): e20183609. </a:t>
+            </a:r>
+            <a:r>
+              <a:rPr>
+                <a:hlinkClick r:id="rId3"/>
+              </a:rPr>
+              <a:t>https://doi.org/10.1542/peds.2018-3609</a:t>
+            </a:r>
+            <a:r>
+              <a:rPr/>
+              <a:t>.</a:t>
             </a:r>
           </a:p>
         </p:txBody>
@@ -4075,11 +4247,11 @@
           <a:bodyPr/>
           <a:lstStyle/>
           <a:p>
-            <a:pPr lvl="0" marL="0" indent="0">
+            <a:pPr lvl="0" marL="1270000" indent="0">
               <a:buNone/>
             </a:pPr>
             <a:r>
-              <a:rPr/>
+              <a:rPr sz="2000"/>
               <a:t>Social work is a profession dedicated to social justice and the improvement of well-being.</a:t>
             </a:r>
           </a:p>
@@ -4127,86 +4299,30 @@
             </a:pPr>
             <a:r>
               <a:rPr/>
-              <a:t>Concerns</a:t>
-            </a:r>
-            <a:r>
-              <a:rPr/>
-              <a:t> </a:t>
-            </a:r>
-            <a:r>
-              <a:rPr/>
-              <a:t>About</a:t>
-            </a:r>
-            <a:r>
-              <a:rPr/>
-              <a:t> </a:t>
-            </a:r>
-            <a:r>
-              <a:rPr/>
-              <a:t>The</a:t>
-            </a:r>
-            <a:r>
-              <a:rPr/>
-              <a:t> </a:t>
-            </a:r>
-            <a:r>
-              <a:rPr/>
-              <a:t>Research</a:t>
-            </a:r>
-            <a:r>
-              <a:rPr/>
-              <a:t> </a:t>
-            </a:r>
-            <a:r>
-              <a:rPr/>
-              <a:t>Base</a:t>
-            </a:r>
-            <a:r>
-              <a:rPr/>
-              <a:t> </a:t>
-            </a:r>
-            <a:r>
-              <a:rPr/>
-              <a:t>for</a:t>
-            </a:r>
-            <a:r>
-              <a:rPr/>
-              <a:t> </a:t>
-            </a:r>
-            <a:r>
-              <a:rPr/>
-              <a:t>Social</a:t>
-            </a:r>
-            <a:r>
-              <a:rPr/>
-              <a:t> </a:t>
-            </a:r>
-            <a:r>
-              <a:rPr/>
-              <a:t>Programs</a:t>
-            </a:r>
-            <a:r>
-              <a:rPr/>
-              <a:t> </a:t>
-            </a:r>
-            <a:r>
-              <a:rPr/>
-              <a:t>And</a:t>
-            </a:r>
-            <a:r>
-              <a:rPr/>
-              <a:t> </a:t>
-            </a:r>
-            <a:r>
-              <a:rPr/>
-              <a:t>Interventions</a:t>
+              <a:t>Evidence</a:t>
+            </a:r>
+            <a:r>
+              <a:rPr/>
+              <a:t> </a:t>
+            </a:r>
+            <a:r>
+              <a:rPr/>
+              <a:t>Drives</a:t>
+            </a:r>
+            <a:r>
+              <a:rPr/>
+              <a:t> </a:t>
+            </a:r>
+            <a:r>
+              <a:rPr/>
+              <a:t>Policy</a:t>
             </a:r>
           </a:p>
         </p:txBody>
       </p:sp>
       <p:pic>
         <p:nvPicPr>
-          <p:cNvPr descr="80000-hours.png" id="0" name="Picture 1"/>
+          <p:cNvPr descr="CPMeta1.png" id="0" name="Picture 1"/>
           <p:cNvPicPr>
             <a:picLocks noGrp="1" noChangeAspect="1"/>
           </p:cNvPicPr>
@@ -4276,71 +4392,23 @@
             </a:pPr>
             <a:r>
               <a:rPr/>
-              <a:t>Why</a:t>
-            </a:r>
-            <a:r>
-              <a:rPr/>
-              <a:t> </a:t>
-            </a:r>
-            <a:r>
-              <a:rPr/>
-              <a:t>We</a:t>
-            </a:r>
-            <a:r>
-              <a:rPr/>
-              <a:t> </a:t>
-            </a:r>
-            <a:r>
-              <a:rPr/>
-              <a:t>Include</a:t>
-            </a:r>
-            <a:r>
-              <a:rPr/>
-              <a:t> </a:t>
-            </a:r>
-            <a:r>
-              <a:rPr/>
-              <a:t>It</a:t>
-            </a:r>
-            <a:r>
-              <a:rPr/>
-              <a:t> </a:t>
-            </a:r>
-            <a:r>
-              <a:rPr/>
-              <a:t>In</a:t>
-            </a:r>
-            <a:r>
-              <a:rPr/>
-              <a:t> </a:t>
-            </a:r>
-            <a:r>
-              <a:rPr/>
-              <a:t>The</a:t>
-            </a:r>
-            <a:r>
-              <a:rPr/>
-              <a:t> </a:t>
-            </a:r>
-            <a:r>
-              <a:rPr/>
-              <a:t>Social</a:t>
-            </a:r>
-            <a:r>
-              <a:rPr/>
-              <a:t> </a:t>
-            </a:r>
-            <a:r>
-              <a:rPr/>
-              <a:t>Work</a:t>
-            </a:r>
-            <a:r>
-              <a:rPr/>
-              <a:t> </a:t>
-            </a:r>
-            <a:r>
-              <a:rPr/>
-              <a:t>Prelim</a:t>
+              <a:t>Evidence</a:t>
+            </a:r>
+            <a:r>
+              <a:rPr/>
+              <a:t> </a:t>
+            </a:r>
+            <a:r>
+              <a:rPr/>
+              <a:t>Drives</a:t>
+            </a:r>
+            <a:r>
+              <a:rPr/>
+              <a:t> </a:t>
+            </a:r>
+            <a:r>
+              <a:rPr/>
+              <a:t>Policy(2)</a:t>
             </a:r>
           </a:p>
         </p:txBody>
@@ -4363,14 +4431,14 @@
             <a:pPr lvl="1"/>
             <a:r>
               <a:rPr/>
-              <a:t>There is a lot of pain and suffering in the world.</a:t>
+              <a:t>Policy Statement by American Academy of Pediatrics (Sege et al. 2019)</a:t>
             </a:r>
           </a:p>
           <a:p>
             <a:pPr lvl="1"/>
             <a:r>
               <a:rPr/>
-              <a:t>A profession that makes claims to address pain, suffering, and injustice needs to be able to back up its claims with evidence.</a:t>
+              <a:t>Policy Statement by American Psychological Association (American Psychological Association 2019)</a:t>
             </a:r>
           </a:p>
         </p:txBody>
@@ -4417,76 +4485,233 @@
             </a:pPr>
             <a:r>
               <a:rPr/>
-              <a:t>Savedoff</a:t>
-            </a:r>
-            <a:r>
-              <a:rPr/>
-              <a:t> </a:t>
-            </a:r>
-            <a:r>
-              <a:rPr/>
-              <a:t>and</a:t>
-            </a:r>
-            <a:r>
-              <a:rPr/>
-              <a:t> </a:t>
-            </a:r>
-            <a:r>
-              <a:rPr/>
-              <a:t>Levine</a:t>
-            </a:r>
-          </a:p>
-        </p:txBody>
-      </p:sp>
-      <p:sp>
-        <p:nvSpPr>
-          <p:cNvPr id="3" name="Content Placeholder 2"/>
-          <p:cNvSpPr>
-            <a:spLocks noGrp="1"/>
-          </p:cNvSpPr>
-          <p:nvPr>
-            <p:ph idx="1"/>
-          </p:nvPr>
-        </p:nvSpPr>
-        <p:spPr/>
-        <p:txBody>
-          <a:bodyPr/>
-          <a:lstStyle/>
-          <a:p>
-            <a:pPr lvl="0" marL="1270000" indent="0">
-              <a:buNone/>
-            </a:pPr>
-            <a:r>
-              <a:rPr sz="2000"/>
-              <a:t>“No physician would consider prescribing strong medications whose impact and potential side-effects have not been properly evaluated. Yet in social development programs, where huge sums can be spent to modify population behaviors, change economic livelihoods, and potentially alter cultures or family structure, no such standard has been adopted.</a:t>
-            </a:r>
-          </a:p>
-          <a:p>
-            <a:pPr lvl="0" marL="1270000" indent="0">
-              <a:buNone/>
-            </a:pPr>
-            <a:r>
-              <a:rPr sz="2000"/>
-              <a:t>While it is widely recognized that withholding programs that are known to be beneficial would be unethical, the implicit corollary—that programs of unknown impact should not be widely replicated without proper evaluation—is frequently dismissed.”</a:t>
-            </a:r>
-          </a:p>
-          <a:p>
-            <a:pPr lvl="0" marL="0" indent="0">
-              <a:buNone/>
-            </a:pPr>
-            <a:r>
-              <a:rPr/>
-              <a:t>— (Savedoff, Levine, and Birdsall 2006)</a:t>
-            </a:r>
-          </a:p>
-        </p:txBody>
-      </p:sp>
+              <a:t>Concerns</a:t>
+            </a:r>
+            <a:r>
+              <a:rPr/>
+              <a:t> </a:t>
+            </a:r>
+            <a:r>
+              <a:rPr/>
+              <a:t>About</a:t>
+            </a:r>
+            <a:r>
+              <a:rPr/>
+              <a:t> </a:t>
+            </a:r>
+            <a:r>
+              <a:rPr/>
+              <a:t>The</a:t>
+            </a:r>
+            <a:r>
+              <a:rPr/>
+              <a:t> </a:t>
+            </a:r>
+            <a:r>
+              <a:rPr/>
+              <a:t>Research</a:t>
+            </a:r>
+            <a:r>
+              <a:rPr/>
+              <a:t> </a:t>
+            </a:r>
+            <a:r>
+              <a:rPr/>
+              <a:t>Base</a:t>
+            </a:r>
+            <a:r>
+              <a:rPr/>
+              <a:t> </a:t>
+            </a:r>
+            <a:r>
+              <a:rPr/>
+              <a:t>for</a:t>
+            </a:r>
+            <a:r>
+              <a:rPr/>
+              <a:t> </a:t>
+            </a:r>
+            <a:r>
+              <a:rPr/>
+              <a:t>Social</a:t>
+            </a:r>
+            <a:r>
+              <a:rPr/>
+              <a:t> </a:t>
+            </a:r>
+            <a:r>
+              <a:rPr/>
+              <a:t>Programs</a:t>
+            </a:r>
+            <a:r>
+              <a:rPr/>
+              <a:t> </a:t>
+            </a:r>
+            <a:r>
+              <a:rPr/>
+              <a:t>And</a:t>
+            </a:r>
+            <a:r>
+              <a:rPr/>
+              <a:t> </a:t>
+            </a:r>
+            <a:r>
+              <a:rPr/>
+              <a:t>Interventions</a:t>
+            </a:r>
+          </a:p>
+        </p:txBody>
+      </p:sp>
+      <p:pic>
+        <p:nvPicPr>
+          <p:cNvPr descr="80000-hours.png" id="0" name="Picture 1"/>
+          <p:cNvPicPr>
+            <a:picLocks noGrp="1" noChangeAspect="1"/>
+          </p:cNvPicPr>
+          <p:nvPr/>
+        </p:nvPicPr>
+        <p:blipFill>
+          <a:blip r:embed="rId2"/>
+          <a:stretch>
+            <a:fillRect/>
+          </a:stretch>
+        </p:blipFill>
+        <p:spPr bwMode="auto">
+          <a:xfrm>
+            <a:off x="1562100" y="1600200"/>
+            <a:ext cx="6032500" cy="4521200"/>
+          </a:xfrm>
+          <a:prstGeom prst="rect">
+            <a:avLst/>
+          </a:prstGeom>
+          <a:noFill/>
+          <a:ln w="9525">
+            <a:noFill/>
+            <a:headEnd/>
+            <a:tailEnd/>
+          </a:ln>
+        </p:spPr>
+      </p:pic>
     </p:spTree>
   </p:cSld>
 </p:sld>
 </file>
 
 <file path=ppt/slides/slide6.xml><?xml version="1.0" encoding="utf-8"?>
+<p:sld xmlns:a="http://schemas.openxmlformats.org/drawingml/2006/main" xmlns:r="http://schemas.openxmlformats.org/officeDocument/2006/relationships" xmlns:p="http://schemas.openxmlformats.org/presentationml/2006/main">
+  <p:cSld>
+    <p:spTree>
+      <p:nvGrpSpPr>
+        <p:cNvPr id="1" name=""/>
+        <p:cNvGrpSpPr/>
+        <p:nvPr/>
+      </p:nvGrpSpPr>
+      <p:grpSpPr>
+        <a:xfrm>
+          <a:off x="0" y="0"/>
+          <a:ext cx="0" cy="0"/>
+          <a:chOff x="0" y="0"/>
+          <a:chExt cx="0" cy="0"/>
+        </a:xfrm>
+      </p:grpSpPr>
+      <p:sp>
+        <p:nvSpPr>
+          <p:cNvPr id="2" name="Title 1"/>
+          <p:cNvSpPr>
+            <a:spLocks noGrp="1"/>
+          </p:cNvSpPr>
+          <p:nvPr>
+            <p:ph type="title"/>
+          </p:nvPr>
+        </p:nvSpPr>
+        <p:spPr/>
+        <p:txBody>
+          <a:bodyPr/>
+          <a:lstStyle/>
+          <a:p>
+            <a:pPr lvl="0" marL="0" indent="0">
+              <a:buNone/>
+            </a:pPr>
+            <a:r>
+              <a:rPr/>
+              <a:t>Savedoff,</a:t>
+            </a:r>
+            <a:r>
+              <a:rPr/>
+              <a:t> </a:t>
+            </a:r>
+            <a:r>
+              <a:rPr/>
+              <a:t>Levine,</a:t>
+            </a:r>
+            <a:r>
+              <a:rPr/>
+              <a:t> </a:t>
+            </a:r>
+            <a:r>
+              <a:rPr/>
+              <a:t>and</a:t>
+            </a:r>
+            <a:r>
+              <a:rPr/>
+              <a:t> </a:t>
+            </a:r>
+            <a:r>
+              <a:rPr/>
+              <a:t>Birdsall</a:t>
+            </a:r>
+          </a:p>
+        </p:txBody>
+      </p:sp>
+      <p:sp>
+        <p:nvSpPr>
+          <p:cNvPr id="3" name="Content Placeholder 2"/>
+          <p:cNvSpPr>
+            <a:spLocks noGrp="1"/>
+          </p:cNvSpPr>
+          <p:nvPr>
+            <p:ph idx="1"/>
+          </p:nvPr>
+        </p:nvSpPr>
+        <p:spPr/>
+        <p:txBody>
+          <a:bodyPr/>
+          <a:lstStyle/>
+          <a:p>
+            <a:pPr lvl="0" marL="1270000" indent="0">
+              <a:buNone/>
+            </a:pPr>
+            <a:r>
+              <a:rPr sz="2000"/>
+              <a:t>“No physician would consider prescribing strong medications whose impact and potential side-effects have not been properly evaluated. Yet in social development programs, where huge sums can be spent to modify population behaviors, change economic livelihoods, and potentially alter cultures or family structure, no such standard has been adopted.</a:t>
+            </a:r>
+          </a:p>
+          <a:p>
+            <a:pPr lvl="0" marL="1270000" indent="0">
+              <a:buNone/>
+            </a:pPr>
+            <a:r>
+              <a:rPr sz="2000"/>
+              <a:t>While it is widely recognized that withholding programs that are known to be beneficial would be unethical, the implicit corollary—that programs of unknown impact should not be widely replicated without proper evaluation—is frequently dismissed.”</a:t>
+            </a:r>
+          </a:p>
+          <a:p>
+            <a:pPr lvl="0" marL="0" indent="0">
+              <a:buNone/>
+            </a:pPr>
+            <a:r>
+              <a:rPr/>
+              <a:t>— (Savedoff, Levine, and Birdsall 2006)</a:t>
+            </a:r>
+          </a:p>
+        </p:txBody>
+      </p:sp>
+    </p:spTree>
+  </p:cSld>
+</p:sld>
+</file>
+
+<file path=ppt/slides/slide7.xml><?xml version="1.0" encoding="utf-8"?>
 <p:sld xmlns:a="http://schemas.openxmlformats.org/drawingml/2006/main" xmlns:r="http://schemas.openxmlformats.org/officeDocument/2006/relationships" xmlns:p="http://schemas.openxmlformats.org/presentationml/2006/main">
   <p:cSld>
     <p:spTree>
@@ -4595,109 +4820,6 @@
 </p:sld>
 </file>
 
-<file path=ppt/slides/slide7.xml><?xml version="1.0" encoding="utf-8"?>
-<p:sld xmlns:a="http://schemas.openxmlformats.org/drawingml/2006/main" xmlns:r="http://schemas.openxmlformats.org/officeDocument/2006/relationships" xmlns:p="http://schemas.openxmlformats.org/presentationml/2006/main">
-  <p:cSld>
-    <p:spTree>
-      <p:nvGrpSpPr>
-        <p:cNvPr id="1" name=""/>
-        <p:cNvGrpSpPr/>
-        <p:nvPr/>
-      </p:nvGrpSpPr>
-      <p:grpSpPr>
-        <a:xfrm>
-          <a:off x="0" y="0"/>
-          <a:ext cx="0" cy="0"/>
-          <a:chOff x="0" y="0"/>
-          <a:chExt cx="0" cy="0"/>
-        </a:xfrm>
-      </p:grpSpPr>
-      <p:sp>
-        <p:nvSpPr>
-          <p:cNvPr id="2" name="Title 1"/>
-          <p:cNvSpPr>
-            <a:spLocks noGrp="1"/>
-          </p:cNvSpPr>
-          <p:nvPr>
-            <p:ph type="title"/>
-          </p:nvPr>
-        </p:nvSpPr>
-        <p:spPr/>
-        <p:txBody>
-          <a:bodyPr/>
-          <a:lstStyle/>
-          <a:p>
-            <a:pPr lvl="0" marL="0" indent="0">
-              <a:buNone/>
-            </a:pPr>
-            <a:r>
-              <a:rPr/>
-              <a:t>Incorporating</a:t>
-            </a:r>
-            <a:r>
-              <a:rPr/>
-              <a:t> </a:t>
-            </a:r>
-            <a:r>
-              <a:rPr/>
-              <a:t>Empirical</a:t>
-            </a:r>
-            <a:r>
-              <a:rPr/>
-              <a:t> </a:t>
-            </a:r>
-            <a:r>
-              <a:rPr/>
-              <a:t>Evidence</a:t>
-            </a:r>
-            <a:r>
-              <a:rPr/>
-              <a:t> </a:t>
-            </a:r>
-            <a:r>
-              <a:rPr/>
-              <a:t>Within</a:t>
-            </a:r>
-            <a:r>
-              <a:rPr/>
-              <a:t> </a:t>
-            </a:r>
-            <a:r>
-              <a:rPr/>
-              <a:t>a</a:t>
-            </a:r>
-            <a:r>
-              <a:rPr/>
-              <a:t> </a:t>
-            </a:r>
-            <a:r>
-              <a:rPr/>
-              <a:t>Social</a:t>
-            </a:r>
-            <a:r>
-              <a:rPr/>
-              <a:t> </a:t>
-            </a:r>
-            <a:r>
-              <a:rPr/>
-              <a:t>Work</a:t>
-            </a:r>
-            <a:r>
-              <a:rPr/>
-              <a:t> </a:t>
-            </a:r>
-            <a:r>
-              <a:rPr/>
-              <a:t>Prelim</a:t>
-            </a:r>
-          </a:p>
-        </p:txBody>
-      </p:sp>
-    </p:spTree>
-  </p:cSld>
-</p:sld>
-</file>
-
 <file path=ppt/slides/slide8.xml><?xml version="1.0" encoding="utf-8"?>
 <p:sld xmlns:a="http://schemas.openxmlformats.org/drawingml/2006/main" xmlns:r="http://schemas.openxmlformats.org/officeDocument/2006/relationships" xmlns:p="http://schemas.openxmlformats.org/presentationml/2006/main">
   <p:cSld>
@@ -4735,71 +4857,87 @@
             </a:pPr>
             <a:r>
               <a:rPr/>
-              <a:t>Writing</a:t>
-            </a:r>
-            <a:r>
-              <a:rPr/>
-              <a:t> </a:t>
-            </a:r>
-            <a:r>
-              <a:rPr/>
-              <a:t>the</a:t>
-            </a:r>
-            <a:r>
-              <a:rPr/>
-              <a:t> </a:t>
-            </a:r>
-            <a:r>
-              <a:rPr/>
-              <a:t>empirical</a:t>
-            </a:r>
-            <a:r>
-              <a:rPr/>
-              <a:t> </a:t>
-            </a:r>
-            <a:r>
-              <a:rPr/>
-              <a:t>section</a:t>
-            </a:r>
-            <a:r>
-              <a:rPr/>
-              <a:t> </a:t>
-            </a:r>
-            <a:r>
-              <a:rPr/>
-              <a:t>of</a:t>
-            </a:r>
-            <a:r>
-              <a:rPr/>
-              <a:t> </a:t>
-            </a:r>
-            <a:r>
-              <a:rPr/>
-              <a:t>the</a:t>
-            </a:r>
-            <a:r>
-              <a:rPr/>
-              <a:t> </a:t>
-            </a:r>
-            <a:r>
-              <a:rPr/>
-              <a:t>social</a:t>
-            </a:r>
-            <a:r>
-              <a:rPr/>
-              <a:t> </a:t>
-            </a:r>
-            <a:r>
-              <a:rPr/>
-              <a:t>work</a:t>
-            </a:r>
-            <a:r>
-              <a:rPr/>
-              <a:t> </a:t>
-            </a:r>
-            <a:r>
-              <a:rPr/>
-              <a:t>prelim</a:t>
+              <a:t>So…</a:t>
+            </a:r>
+            <a:r>
+              <a:rPr/>
+              <a:t> </a:t>
+            </a:r>
+            <a:r>
+              <a:rPr/>
+              <a:t>Why</a:t>
+            </a:r>
+            <a:r>
+              <a:rPr/>
+              <a:t> </a:t>
+            </a:r>
+            <a:r>
+              <a:rPr/>
+              <a:t>Do</a:t>
+            </a:r>
+            <a:r>
+              <a:rPr/>
+              <a:t> </a:t>
+            </a:r>
+            <a:r>
+              <a:rPr/>
+              <a:t>We</a:t>
+            </a:r>
+            <a:r>
+              <a:rPr/>
+              <a:t> </a:t>
+            </a:r>
+            <a:r>
+              <a:rPr/>
+              <a:t>Include</a:t>
+            </a:r>
+            <a:r>
+              <a:rPr/>
+              <a:t> </a:t>
+            </a:r>
+            <a:r>
+              <a:rPr/>
+              <a:t>Research</a:t>
+            </a:r>
+            <a:r>
+              <a:rPr/>
+              <a:t> </a:t>
+            </a:r>
+            <a:r>
+              <a:rPr/>
+              <a:t>In</a:t>
+            </a:r>
+            <a:r>
+              <a:rPr/>
+              <a:t> </a:t>
+            </a:r>
+            <a:r>
+              <a:rPr/>
+              <a:t>The</a:t>
+            </a:r>
+            <a:r>
+              <a:rPr/>
+              <a:t> </a:t>
+            </a:r>
+            <a:r>
+              <a:rPr/>
+              <a:t>Social</a:t>
+            </a:r>
+            <a:r>
+              <a:rPr/>
+              <a:t> </a:t>
+            </a:r>
+            <a:r>
+              <a:rPr/>
+              <a:t>Work</a:t>
+            </a:r>
+            <a:r>
+              <a:rPr/>
+              <a:t> </a:t>
+            </a:r>
+            <a:r>
+              <a:rPr/>
+              <a:t>Prelim</a:t>
             </a:r>
           </a:p>
         </p:txBody>
@@ -4819,31 +4957,20 @@
           <a:bodyPr/>
           <a:lstStyle/>
           <a:p>
-            <a:pPr lvl="1"/>
-            <a:r>
-              <a:rPr/>
-              <a:t>Imposter Syndrome</a:t>
-            </a:r>
-          </a:p>
-          <a:p>
-            <a:pPr lvl="1"/>
-            <a:r>
-              <a:rPr/>
-              <a:t>Drawing The Circle Around Your Question</a:t>
-            </a:r>
-          </a:p>
-          <a:p>
-            <a:pPr lvl="1"/>
-            <a:r>
-              <a:rPr/>
-              <a:t>Finding The Right Literature</a:t>
-            </a:r>
-          </a:p>
-          <a:p>
-            <a:pPr lvl="1"/>
-            <a:r>
-              <a:rPr/>
-              <a:t>Writing</a:t>
+            <a:pPr lvl="0" marL="1270000" indent="0">
+              <a:buNone/>
+            </a:pPr>
+            <a:r>
+              <a:rPr sz="2000"/>
+              <a:t>A profession that makes claims to address pain, suffering, and injustice needs to be able to back up its claims with strong </a:t>
+            </a:r>
+            <a:r>
+              <a:rPr sz="2000" i="1"/>
+              <a:t>high quality</a:t>
+            </a:r>
+            <a:r>
+              <a:rPr sz="2000"/>
+              <a:t> evidence.</a:t>
             </a:r>
           </a:p>
         </p:txBody>
@@ -4890,15 +5017,135 @@
             </a:pPr>
             <a:r>
               <a:rPr/>
-              <a:t>Imposter</a:t>
-            </a:r>
-            <a:r>
-              <a:rPr/>
-              <a:t> </a:t>
-            </a:r>
-            <a:r>
-              <a:rPr/>
-              <a:t>Syndrome</a:t>
+              <a:t>Incorporating</a:t>
+            </a:r>
+            <a:r>
+              <a:rPr/>
+              <a:t> </a:t>
+            </a:r>
+            <a:r>
+              <a:rPr/>
+              <a:t>Empirical</a:t>
+            </a:r>
+            <a:r>
+              <a:rPr/>
+              <a:t> </a:t>
+            </a:r>
+            <a:r>
+              <a:rPr/>
+              <a:t>Evidence</a:t>
+            </a:r>
+            <a:r>
+              <a:rPr/>
+              <a:t> </a:t>
+            </a:r>
+            <a:r>
+              <a:rPr/>
+              <a:t>Within</a:t>
+            </a:r>
+            <a:r>
+              <a:rPr/>
+              <a:t> </a:t>
+            </a:r>
+            <a:r>
+              <a:rPr/>
+              <a:t>a</a:t>
+            </a:r>
+            <a:r>
+              <a:rPr/>
+              <a:t> </a:t>
+            </a:r>
+            <a:r>
+              <a:rPr/>
+              <a:t>Social</a:t>
+            </a:r>
+            <a:r>
+              <a:rPr/>
+              <a:t> </a:t>
+            </a:r>
+            <a:r>
+              <a:rPr/>
+              <a:t>Work</a:t>
+            </a:r>
+            <a:r>
+              <a:rPr/>
+              <a:t> </a:t>
+            </a:r>
+            <a:r>
+              <a:rPr/>
+              <a:t>Prelim:</a:t>
+            </a:r>
+            <a:r>
+              <a:rPr/>
+              <a:t> </a:t>
+            </a:r>
+            <a:r>
+              <a:rPr/>
+              <a:t>Writing</a:t>
+            </a:r>
+            <a:r>
+              <a:rPr/>
+              <a:t> </a:t>
+            </a:r>
+            <a:r>
+              <a:rPr/>
+              <a:t>The</a:t>
+            </a:r>
+            <a:r>
+              <a:rPr/>
+              <a:t> </a:t>
+            </a:r>
+            <a:r>
+              <a:rPr/>
+              <a:t>Empirical</a:t>
+            </a:r>
+            <a:r>
+              <a:rPr/>
+              <a:t> </a:t>
+            </a:r>
+            <a:r>
+              <a:rPr/>
+              <a:t>Section</a:t>
+            </a:r>
+            <a:r>
+              <a:rPr/>
+              <a:t> </a:t>
+            </a:r>
+            <a:r>
+              <a:rPr/>
+              <a:t>of</a:t>
+            </a:r>
+            <a:r>
+              <a:rPr/>
+              <a:t> </a:t>
+            </a:r>
+            <a:r>
+              <a:rPr/>
+              <a:t>the</a:t>
+            </a:r>
+            <a:r>
+              <a:rPr/>
+              <a:t> </a:t>
+            </a:r>
+            <a:r>
+              <a:rPr/>
+              <a:t>Social</a:t>
+            </a:r>
+            <a:r>
+              <a:rPr/>
+              <a:t> </a:t>
+            </a:r>
+            <a:r>
+              <a:rPr/>
+              <a:t>Work</a:t>
+            </a:r>
+            <a:r>
+              <a:rPr/>
+              <a:t> </a:t>
+            </a:r>
+            <a:r>
+              <a:rPr/>
+              <a:t>Prelim</a:t>
             </a:r>
           </a:p>
         </p:txBody>
@@ -4918,19 +5165,31 @@
           <a:bodyPr/>
           <a:lstStyle/>
           <a:p>
-            <a:pPr lvl="0" marL="1270000" indent="0">
-              <a:buNone/>
-            </a:pPr>
-            <a:r>
-              <a:rPr sz="2000"/>
-              <a:t>“Academic life is full of learning, excitement, and discovery. However, academics also experience professional challenges at various points in their career, including repeated rejection, impostor syndrome, and burnout. These negative experiences are rarely talked about publicly, creating a sense of loneliness and isolation for people who presume they are the only ones affected by such setbacks. However, nearly everyone has these experiences at one time or another, and thus talking about them should be a normal part of academic life.” (Jaremka et al. 2019)</a:t>
-            </a:r>
-          </a:p>
-          <a:p>
             <a:pPr lvl="1"/>
             <a:r>
               <a:rPr/>
-              <a:t>Surface / Acknowledge the Feeling</a:t>
+              <a:t>Imposter Syndrome</a:t>
+            </a:r>
+          </a:p>
+          <a:p>
+            <a:pPr lvl="1"/>
+            <a:r>
+              <a:rPr/>
+              <a:t>Drawing The Circle Around Your Question</a:t>
+            </a:r>
+          </a:p>
+          <a:p>
+            <a:pPr lvl="1"/>
+            <a:r>
+              <a:rPr/>
+              <a:t>Finding The Right Literature</a:t>
+            </a:r>
+          </a:p>
+          <a:p>
+            <a:pPr lvl="1"/>
+            <a:r>
+              <a:rPr/>
+              <a:t>Writing</a:t>
             </a:r>
           </a:p>
         </p:txBody>
